--- a/Presentation.pptx
+++ b/Presentation.pptx
@@ -3720,7 +3720,12 @@
             <p:ph type="title"/>
           </p:nvPr>
         </p:nvSpPr>
-        <p:spPr/>
+        <p:spPr>
+          <a:xfrm>
+            <a:off x="140616" y="122586"/>
+            <a:ext cx="10515600" cy="1325563"/>
+          </a:xfrm>
+        </p:spPr>
         <p:txBody>
           <a:bodyPr/>
           <a:lstStyle/>
@@ -3745,7 +3750,7 @@
         </p:nvSpPr>
         <p:spPr>
           <a:xfrm>
-            <a:off x="838200" y="1602989"/>
+            <a:off x="889170" y="1225916"/>
             <a:ext cx="10515600" cy="4351338"/>
           </a:xfrm>
         </p:spPr>
@@ -3773,6 +3778,36 @@
           </a:p>
         </p:txBody>
       </p:sp>
+      <p:pic>
+        <p:nvPicPr>
+          <p:cNvPr id="5" name="Picture 4"/>
+          <p:cNvPicPr>
+            <a:picLocks noChangeAspect="1"/>
+          </p:cNvPicPr>
+          <p:nvPr/>
+        </p:nvPicPr>
+        <p:blipFill>
+          <a:blip r:embed="rId3">
+            <a:extLst>
+              <a:ext uri="{28A0092B-C50C-407E-A947-70E740481C1C}">
+                <a14:useLocalDpi xmlns:a14="http://schemas.microsoft.com/office/drawing/2010/main" val="0"/>
+              </a:ext>
+            </a:extLst>
+          </a:blip>
+          <a:stretch>
+            <a:fillRect/>
+          </a:stretch>
+        </p:blipFill>
+        <p:spPr>
+          <a:xfrm>
+            <a:off x="3296428" y="2430336"/>
+            <a:ext cx="5701085" cy="3906110"/>
+          </a:xfrm>
+          <a:prstGeom prst="rect">
+            <a:avLst/>
+          </a:prstGeom>
+        </p:spPr>
+      </p:pic>
     </p:spTree>
     <p:extLst>
       <p:ext uri="{BB962C8B-B14F-4D97-AF65-F5344CB8AC3E}">
@@ -3820,7 +3855,12 @@
             <p:ph type="title"/>
           </p:nvPr>
         </p:nvSpPr>
-        <p:spPr/>
+        <p:spPr>
+          <a:xfrm>
+            <a:off x="168897" y="157735"/>
+            <a:ext cx="10515600" cy="1325563"/>
+          </a:xfrm>
+        </p:spPr>
         <p:txBody>
           <a:bodyPr/>
           <a:lstStyle/>
@@ -3843,7 +3883,12 @@
             <p:ph idx="1"/>
           </p:nvPr>
         </p:nvSpPr>
-        <p:spPr/>
+        <p:spPr>
+          <a:xfrm>
+            <a:off x="762786" y="1483298"/>
+            <a:ext cx="10515600" cy="4351338"/>
+          </a:xfrm>
+        </p:spPr>
         <p:txBody>
           <a:bodyPr/>
           <a:lstStyle/>
@@ -3928,7 +3973,12 @@
             <p:ph type="title"/>
           </p:nvPr>
         </p:nvSpPr>
-        <p:spPr/>
+        <p:spPr>
+          <a:xfrm>
+            <a:off x="263165" y="114174"/>
+            <a:ext cx="10515600" cy="1325563"/>
+          </a:xfrm>
+        </p:spPr>
         <p:txBody>
           <a:bodyPr/>
           <a:lstStyle/>
@@ -4098,7 +4148,12 @@
             <p:ph type="title"/>
           </p:nvPr>
         </p:nvSpPr>
-        <p:spPr/>
+        <p:spPr>
+          <a:xfrm>
+            <a:off x="291636" y="91748"/>
+            <a:ext cx="10515600" cy="1325563"/>
+          </a:xfrm>
+        </p:spPr>
         <p:txBody>
           <a:bodyPr/>
           <a:lstStyle/>
@@ -4129,7 +4184,12 @@
             <p:ph idx="1"/>
           </p:nvPr>
         </p:nvSpPr>
-        <p:spPr/>
+        <p:spPr>
+          <a:xfrm>
+            <a:off x="668517" y="1417311"/>
+            <a:ext cx="10515600" cy="4351338"/>
+          </a:xfrm>
+        </p:spPr>
         <p:txBody>
           <a:bodyPr>
             <a:normAutofit/>
@@ -4197,7 +4257,7 @@
         <p:spPr>
           <a:xfrm>
             <a:off x="994770" y="3105785"/>
-            <a:ext cx="3809617" cy="2102319"/>
+            <a:ext cx="4274814" cy="2359036"/>
           </a:xfrm>
           <a:prstGeom prst="rect">
             <a:avLst/>
@@ -4226,8 +4286,8 @@
         </p:blipFill>
         <p:spPr>
           <a:xfrm>
-            <a:off x="5477790" y="3336771"/>
-            <a:ext cx="5329446" cy="1640345"/>
+            <a:off x="5477789" y="3336771"/>
+            <a:ext cx="5980231" cy="1840649"/>
           </a:xfrm>
           <a:prstGeom prst="rect">
             <a:avLst/>
@@ -4281,7 +4341,12 @@
             <p:ph type="title"/>
           </p:nvPr>
         </p:nvSpPr>
-        <p:spPr/>
+        <p:spPr>
+          <a:xfrm>
+            <a:off x="353831" y="212118"/>
+            <a:ext cx="10515600" cy="1325563"/>
+          </a:xfrm>
+        </p:spPr>
         <p:txBody>
           <a:bodyPr/>
           <a:lstStyle/>
@@ -4304,7 +4369,12 @@
             <p:ph idx="1"/>
           </p:nvPr>
         </p:nvSpPr>
-        <p:spPr/>
+        <p:spPr>
+          <a:xfrm>
+            <a:off x="847627" y="1537681"/>
+            <a:ext cx="10515600" cy="4351338"/>
+          </a:xfrm>
+        </p:spPr>
         <p:txBody>
           <a:bodyPr/>
           <a:lstStyle/>
@@ -4374,8 +4444,8 @@
         </p:blipFill>
         <p:spPr>
           <a:xfrm>
-            <a:off x="8343236" y="2401513"/>
-            <a:ext cx="2526195" cy="4246823"/>
+            <a:off x="7824762" y="2118709"/>
+            <a:ext cx="2667271" cy="4483988"/>
           </a:xfrm>
           <a:prstGeom prst="rect">
             <a:avLst/>

--- a/Presentation.pptx
+++ b/Presentation.pptx
@@ -208,7 +208,7 @@
           <a:p>
             <a:fld id="{EF1C4542-D444-584F-8D8D-0B3E1F37658F}" type="datetimeFigureOut">
               <a:rPr lang="en-US" smtClean="0"/>
-              <a:t>10/1/18</a:t>
+              <a:t>10/2/18</a:t>
             </a:fld>
             <a:endParaRPr lang="en-US"/>
           </a:p>
@@ -692,7 +692,7 @@
             <a:fld id="{B61BEF0D-F0BB-DE4B-95CE-6DB70DBA9567}" type="datetimeFigureOut">
               <a:rPr lang="en-US" smtClean="0"/>
               <a:pPr/>
-              <a:t>10/1/18</a:t>
+              <a:t>10/2/18</a:t>
             </a:fld>
             <a:endParaRPr lang="en-US" dirty="0"/>
           </a:p>
@@ -859,7 +859,7 @@
             <a:fld id="{B61BEF0D-F0BB-DE4B-95CE-6DB70DBA9567}" type="datetimeFigureOut">
               <a:rPr lang="en-US" smtClean="0"/>
               <a:pPr/>
-              <a:t>10/1/18</a:t>
+              <a:t>10/2/18</a:t>
             </a:fld>
             <a:endParaRPr lang="en-US" dirty="0"/>
           </a:p>
@@ -1036,7 +1036,7 @@
             <a:fld id="{B61BEF0D-F0BB-DE4B-95CE-6DB70DBA9567}" type="datetimeFigureOut">
               <a:rPr lang="en-US" smtClean="0"/>
               <a:pPr/>
-              <a:t>10/1/18</a:t>
+              <a:t>10/2/18</a:t>
             </a:fld>
             <a:endParaRPr lang="en-US" dirty="0"/>
           </a:p>
@@ -1203,7 +1203,7 @@
             <a:fld id="{B61BEF0D-F0BB-DE4B-95CE-6DB70DBA9567}" type="datetimeFigureOut">
               <a:rPr lang="en-US" smtClean="0"/>
               <a:pPr/>
-              <a:t>10/1/18</a:t>
+              <a:t>10/2/18</a:t>
             </a:fld>
             <a:endParaRPr lang="en-US" dirty="0"/>
           </a:p>
@@ -1446,7 +1446,7 @@
             <a:fld id="{B61BEF0D-F0BB-DE4B-95CE-6DB70DBA9567}" type="datetimeFigureOut">
               <a:rPr lang="en-US" smtClean="0"/>
               <a:pPr/>
-              <a:t>10/1/18</a:t>
+              <a:t>10/2/18</a:t>
             </a:fld>
             <a:endParaRPr lang="en-US" dirty="0"/>
           </a:p>
@@ -1675,7 +1675,7 @@
             <a:fld id="{B61BEF0D-F0BB-DE4B-95CE-6DB70DBA9567}" type="datetimeFigureOut">
               <a:rPr lang="en-US" smtClean="0"/>
               <a:pPr/>
-              <a:t>10/1/18</a:t>
+              <a:t>10/2/18</a:t>
             </a:fld>
             <a:endParaRPr lang="en-US" dirty="0"/>
           </a:p>
@@ -2039,7 +2039,7 @@
             <a:fld id="{B61BEF0D-F0BB-DE4B-95CE-6DB70DBA9567}" type="datetimeFigureOut">
               <a:rPr lang="en-US" smtClean="0"/>
               <a:pPr/>
-              <a:t>10/1/18</a:t>
+              <a:t>10/2/18</a:t>
             </a:fld>
             <a:endParaRPr lang="en-US" dirty="0"/>
           </a:p>
@@ -2154,7 +2154,7 @@
             <a:fld id="{B61BEF0D-F0BB-DE4B-95CE-6DB70DBA9567}" type="datetimeFigureOut">
               <a:rPr lang="en-US" smtClean="0"/>
               <a:pPr/>
-              <a:t>10/1/18</a:t>
+              <a:t>10/2/18</a:t>
             </a:fld>
             <a:endParaRPr lang="en-US" dirty="0"/>
           </a:p>
@@ -2246,7 +2246,7 @@
             <a:fld id="{B61BEF0D-F0BB-DE4B-95CE-6DB70DBA9567}" type="datetimeFigureOut">
               <a:rPr lang="en-US" smtClean="0"/>
               <a:pPr/>
-              <a:t>10/1/18</a:t>
+              <a:t>10/2/18</a:t>
             </a:fld>
             <a:endParaRPr lang="en-US" dirty="0"/>
           </a:p>
@@ -2520,7 +2520,7 @@
             <a:fld id="{B61BEF0D-F0BB-DE4B-95CE-6DB70DBA9567}" type="datetimeFigureOut">
               <a:rPr lang="en-US" smtClean="0"/>
               <a:pPr/>
-              <a:t>10/1/18</a:t>
+              <a:t>10/2/18</a:t>
             </a:fld>
             <a:endParaRPr lang="en-US" dirty="0"/>
           </a:p>
@@ -2770,7 +2770,7 @@
             <a:fld id="{B61BEF0D-F0BB-DE4B-95CE-6DB70DBA9567}" type="datetimeFigureOut">
               <a:rPr lang="en-US" smtClean="0"/>
               <a:pPr/>
-              <a:t>10/1/18</a:t>
+              <a:t>10/2/18</a:t>
             </a:fld>
             <a:endParaRPr lang="en-US" dirty="0"/>
           </a:p>
@@ -2980,7 +2980,7 @@
             <a:fld id="{B61BEF0D-F0BB-DE4B-95CE-6DB70DBA9567}" type="datetimeFigureOut">
               <a:rPr lang="en-US" smtClean="0"/>
               <a:pPr/>
-              <a:t>10/1/18</a:t>
+              <a:t>10/2/18</a:t>
             </a:fld>
             <a:endParaRPr lang="en-US" dirty="0"/>
           </a:p>
@@ -4395,8 +4395,20 @@
             <a:pPr lvl="1"/>
             <a:r>
               <a:rPr lang="en-US" dirty="0" smtClean="0"/>
-              <a:t>Flash Size: 4M (1M SPIFFS)</a:t>
-            </a:r>
+              <a:t>Flash Size: 4M (1M SPIFFS</a:t>
+            </a:r>
+            <a:r>
+              <a:rPr lang="en-US" dirty="0" smtClean="0"/>
+              <a:t>)</a:t>
+            </a:r>
+          </a:p>
+          <a:p>
+            <a:pPr lvl="1"/>
+            <a:r>
+              <a:rPr lang="en-US" u="sng" dirty="0" smtClean="0"/>
+              <a:t>Flash Mode: “DOUT”</a:t>
+            </a:r>
+            <a:endParaRPr lang="en-US" u="sng" dirty="0" smtClean="0"/>
           </a:p>
           <a:p>
             <a:pPr lvl="1"/>
@@ -4424,7 +4436,7 @@
       </p:sp>
       <p:pic>
         <p:nvPicPr>
-          <p:cNvPr id="5" name="Picture 4"/>
+          <p:cNvPr id="6" name="Picture 5"/>
           <p:cNvPicPr>
             <a:picLocks noChangeAspect="1"/>
           </p:cNvPicPr>
@@ -4444,8 +4456,8 @@
         </p:blipFill>
         <p:spPr>
           <a:xfrm>
-            <a:off x="7824762" y="2118709"/>
-            <a:ext cx="2667271" cy="4483988"/>
+            <a:off x="8205358" y="2048454"/>
+            <a:ext cx="2664073" cy="4529765"/>
           </a:xfrm>
           <a:prstGeom prst="rect">
             <a:avLst/>

--- a/Presentation.pptx
+++ b/Presentation.pptx
@@ -5,7 +5,7 @@
     <p:sldMasterId id="2147483669" r:id="rId1"/>
   </p:sldMasterIdLst>
   <p:notesMasterIdLst>
-    <p:notesMasterId r:id="rId14"/>
+    <p:notesMasterId r:id="rId15"/>
   </p:notesMasterIdLst>
   <p:sldIdLst>
     <p:sldId id="256" r:id="rId2"/>
@@ -18,8 +18,9 @@
     <p:sldId id="261" r:id="rId9"/>
     <p:sldId id="262" r:id="rId10"/>
     <p:sldId id="263" r:id="rId11"/>
-    <p:sldId id="264" r:id="rId12"/>
-    <p:sldId id="265" r:id="rId13"/>
+    <p:sldId id="268" r:id="rId12"/>
+    <p:sldId id="264" r:id="rId13"/>
+    <p:sldId id="265" r:id="rId14"/>
   </p:sldIdLst>
   <p:sldSz cx="12192000" cy="6858000"/>
   <p:notesSz cx="6858000" cy="9144000"/>
@@ -551,6 +552,90 @@
     <p:extLst>
       <p:ext uri="{BB962C8B-B14F-4D97-AF65-F5344CB8AC3E}">
         <p14:creationId xmlns:p14="http://schemas.microsoft.com/office/powerpoint/2010/main" val="2067223902"/>
+      </p:ext>
+    </p:extLst>
+  </p:cSld>
+  <p:clrMapOvr>
+    <a:masterClrMapping/>
+  </p:clrMapOvr>
+</p:notes>
+</file>
+
+<file path=ppt/notesSlides/notesSlide2.xml><?xml version="1.0" encoding="utf-8"?>
+<p:notes xmlns:a="http://schemas.openxmlformats.org/drawingml/2006/main" xmlns:r="http://schemas.openxmlformats.org/officeDocument/2006/relationships" xmlns:p="http://schemas.openxmlformats.org/presentationml/2006/main">
+  <p:cSld>
+    <p:spTree>
+      <p:nvGrpSpPr>
+        <p:cNvPr id="1" name=""/>
+        <p:cNvGrpSpPr/>
+        <p:nvPr/>
+      </p:nvGrpSpPr>
+      <p:grpSpPr>
+        <a:xfrm>
+          <a:off x="0" y="0"/>
+          <a:ext cx="0" cy="0"/>
+          <a:chOff x="0" y="0"/>
+          <a:chExt cx="0" cy="0"/>
+        </a:xfrm>
+      </p:grpSpPr>
+      <p:sp>
+        <p:nvSpPr>
+          <p:cNvPr id="2" name="Slide Image Placeholder 1"/>
+          <p:cNvSpPr>
+            <a:spLocks noGrp="1" noRot="1" noChangeAspect="1"/>
+          </p:cNvSpPr>
+          <p:nvPr>
+            <p:ph type="sldImg"/>
+          </p:nvPr>
+        </p:nvSpPr>
+        <p:spPr/>
+      </p:sp>
+      <p:sp>
+        <p:nvSpPr>
+          <p:cNvPr id="3" name="Notes Placeholder 2"/>
+          <p:cNvSpPr>
+            <a:spLocks noGrp="1"/>
+          </p:cNvSpPr>
+          <p:nvPr>
+            <p:ph type="body" idx="1"/>
+          </p:nvPr>
+        </p:nvSpPr>
+        <p:spPr/>
+        <p:txBody>
+          <a:bodyPr/>
+          <a:lstStyle/>
+          <a:p>
+            <a:endParaRPr lang="en-US" dirty="0"/>
+          </a:p>
+        </p:txBody>
+      </p:sp>
+      <p:sp>
+        <p:nvSpPr>
+          <p:cNvPr id="4" name="Slide Number Placeholder 3"/>
+          <p:cNvSpPr>
+            <a:spLocks noGrp="1"/>
+          </p:cNvSpPr>
+          <p:nvPr>
+            <p:ph type="sldNum" sz="quarter" idx="10"/>
+          </p:nvPr>
+        </p:nvSpPr>
+        <p:spPr/>
+        <p:txBody>
+          <a:bodyPr/>
+          <a:lstStyle/>
+          <a:p>
+            <a:fld id="{30AF9E6E-5D02-2B45-B2B9-A4636E4EBC28}" type="slidenum">
+              <a:rPr lang="en-US" smtClean="0"/>
+              <a:t>10</a:t>
+            </a:fld>
+            <a:endParaRPr lang="en-US"/>
+          </a:p>
+        </p:txBody>
+      </p:sp>
+    </p:spTree>
+    <p:extLst>
+      <p:ext uri="{BB962C8B-B14F-4D97-AF65-F5344CB8AC3E}">
+        <p14:creationId xmlns:p14="http://schemas.microsoft.com/office/powerpoint/2010/main" val="271886172"/>
       </p:ext>
     </p:extLst>
   </p:cSld>
@@ -3506,15 +3591,90 @@
             <p:ph idx="1"/>
           </p:nvPr>
         </p:nvSpPr>
-        <p:spPr/>
-        <p:txBody>
-          <a:bodyPr/>
-          <a:lstStyle/>
-          <a:p>
-            <a:endParaRPr lang="en-US"/>
-          </a:p>
-        </p:txBody>
-      </p:sp>
+        <p:spPr>
+          <a:xfrm>
+            <a:off x="838200" y="1825625"/>
+            <a:ext cx="10515600" cy="977733"/>
+          </a:xfrm>
+        </p:spPr>
+        <p:txBody>
+          <a:bodyPr/>
+          <a:lstStyle/>
+          <a:p>
+            <a:r>
+              <a:rPr lang="en-US" dirty="0" smtClean="0"/>
+              <a:t>To connect to the sensor you need the DHT library as well as </a:t>
+            </a:r>
+            <a:r>
+              <a:rPr lang="en-US" smtClean="0"/>
+              <a:t>the unified sensor library:</a:t>
+            </a:r>
+          </a:p>
+          <a:p>
+            <a:endParaRPr lang="en-US" dirty="0"/>
+          </a:p>
+        </p:txBody>
+      </p:sp>
+      <p:pic>
+        <p:nvPicPr>
+          <p:cNvPr id="4" name="Picture 3"/>
+          <p:cNvPicPr>
+            <a:picLocks noChangeAspect="1"/>
+          </p:cNvPicPr>
+          <p:nvPr/>
+        </p:nvPicPr>
+        <p:blipFill>
+          <a:blip r:embed="rId3">
+            <a:extLst>
+              <a:ext uri="{28A0092B-C50C-407E-A947-70E740481C1C}">
+                <a14:useLocalDpi xmlns:a14="http://schemas.microsoft.com/office/drawing/2010/main" val="0"/>
+              </a:ext>
+            </a:extLst>
+          </a:blip>
+          <a:stretch>
+            <a:fillRect/>
+          </a:stretch>
+        </p:blipFill>
+        <p:spPr>
+          <a:xfrm>
+            <a:off x="838200" y="2632365"/>
+            <a:ext cx="6850423" cy="3810000"/>
+          </a:xfrm>
+          <a:prstGeom prst="rect">
+            <a:avLst/>
+          </a:prstGeom>
+        </p:spPr>
+      </p:pic>
+      <p:pic>
+        <p:nvPicPr>
+          <p:cNvPr id="5" name="Picture 4"/>
+          <p:cNvPicPr>
+            <a:picLocks noChangeAspect="1"/>
+          </p:cNvPicPr>
+          <p:nvPr/>
+        </p:nvPicPr>
+        <p:blipFill>
+          <a:blip r:embed="rId4">
+            <a:extLst>
+              <a:ext uri="{28A0092B-C50C-407E-A947-70E740481C1C}">
+                <a14:useLocalDpi xmlns:a14="http://schemas.microsoft.com/office/drawing/2010/main" val="0"/>
+              </a:ext>
+            </a:extLst>
+          </a:blip>
+          <a:stretch>
+            <a:fillRect/>
+          </a:stretch>
+        </p:blipFill>
+        <p:spPr>
+          <a:xfrm>
+            <a:off x="4340324" y="3425536"/>
+            <a:ext cx="7013476" cy="1409700"/>
+          </a:xfrm>
+          <a:prstGeom prst="rect">
+            <a:avLst/>
+          </a:prstGeom>
+        </p:spPr>
+      </p:pic>
     </p:spTree>
     <p:extLst>
       <p:ext uri="{BB962C8B-B14F-4D97-AF65-F5344CB8AC3E}">
@@ -3554,6 +3714,348 @@
       </p:grpSpPr>
       <p:sp>
         <p:nvSpPr>
+          <p:cNvPr id="3" name="Content Placeholder 2"/>
+          <p:cNvSpPr>
+            <a:spLocks noGrp="1"/>
+          </p:cNvSpPr>
+          <p:nvPr>
+            <p:ph idx="1"/>
+          </p:nvPr>
+        </p:nvSpPr>
+        <p:spPr>
+          <a:xfrm>
+            <a:off x="796636" y="41445"/>
+            <a:ext cx="10342419" cy="1039210"/>
+          </a:xfrm>
+        </p:spPr>
+        <p:txBody>
+          <a:bodyPr>
+            <a:normAutofit fontScale="92500"/>
+          </a:bodyPr>
+          <a:lstStyle/>
+          <a:p>
+            <a:r>
+              <a:rPr lang="en-US" dirty="0" smtClean="0"/>
+              <a:t>Connect the GND to GND, VCC to 3.3v and DAT to GPIO4 with the wires</a:t>
+            </a:r>
+          </a:p>
+          <a:p>
+            <a:r>
+              <a:rPr lang="en-US" dirty="0" smtClean="0"/>
+              <a:t>Add the libraries to the code and set it up</a:t>
+            </a:r>
+          </a:p>
+          <a:p>
+            <a:endParaRPr lang="en-US" dirty="0"/>
+          </a:p>
+        </p:txBody>
+      </p:sp>
+      <p:pic>
+        <p:nvPicPr>
+          <p:cNvPr id="4" name="Picture 3"/>
+          <p:cNvPicPr>
+            <a:picLocks noChangeAspect="1"/>
+          </p:cNvPicPr>
+          <p:nvPr/>
+        </p:nvPicPr>
+        <p:blipFill>
+          <a:blip r:embed="rId2">
+            <a:extLst>
+              <a:ext uri="{28A0092B-C50C-407E-A947-70E740481C1C}">
+                <a14:useLocalDpi xmlns:a14="http://schemas.microsoft.com/office/drawing/2010/main" val="0"/>
+              </a:ext>
+            </a:extLst>
+          </a:blip>
+          <a:stretch>
+            <a:fillRect/>
+          </a:stretch>
+        </p:blipFill>
+        <p:spPr>
+          <a:xfrm>
+            <a:off x="945544" y="842060"/>
+            <a:ext cx="5334000" cy="1435100"/>
+          </a:xfrm>
+          <a:prstGeom prst="rect">
+            <a:avLst/>
+          </a:prstGeom>
+        </p:spPr>
+      </p:pic>
+      <p:sp>
+        <p:nvSpPr>
+          <p:cNvPr id="6" name="TextBox 5"/>
+          <p:cNvSpPr txBox="1"/>
+          <p:nvPr/>
+        </p:nvSpPr>
+        <p:spPr>
+          <a:xfrm>
+            <a:off x="945544" y="2274809"/>
+            <a:ext cx="3481137" cy="369332"/>
+          </a:xfrm>
+          <a:prstGeom prst="rect">
+            <a:avLst/>
+          </a:prstGeom>
+          <a:noFill/>
+        </p:spPr>
+        <p:txBody>
+          <a:bodyPr wrap="square" rtlCol="0">
+            <a:spAutoFit/>
+          </a:bodyPr>
+          <a:lstStyle/>
+          <a:p>
+            <a:r>
+              <a:rPr lang="en-US" smtClean="0"/>
+              <a:t>Add code to start the sensor up</a:t>
+            </a:r>
+            <a:endParaRPr lang="en-US" dirty="0"/>
+          </a:p>
+        </p:txBody>
+      </p:sp>
+      <p:sp>
+        <p:nvSpPr>
+          <p:cNvPr id="7" name="TextBox 6"/>
+          <p:cNvSpPr txBox="1"/>
+          <p:nvPr/>
+        </p:nvSpPr>
+        <p:spPr>
+          <a:xfrm>
+            <a:off x="945543" y="2934479"/>
+            <a:ext cx="3481137" cy="369332"/>
+          </a:xfrm>
+          <a:prstGeom prst="rect">
+            <a:avLst/>
+          </a:prstGeom>
+          <a:noFill/>
+        </p:spPr>
+        <p:txBody>
+          <a:bodyPr wrap="square" rtlCol="0">
+            <a:spAutoFit/>
+          </a:bodyPr>
+          <a:lstStyle/>
+          <a:p>
+            <a:r>
+              <a:rPr lang="en-US" dirty="0" smtClean="0"/>
+              <a:t>Add variables to stick the data in</a:t>
+            </a:r>
+            <a:endParaRPr lang="en-US" dirty="0"/>
+          </a:p>
+        </p:txBody>
+      </p:sp>
+      <p:pic>
+        <p:nvPicPr>
+          <p:cNvPr id="8" name="Picture 7"/>
+          <p:cNvPicPr>
+            <a:picLocks noChangeAspect="1"/>
+          </p:cNvPicPr>
+          <p:nvPr/>
+        </p:nvPicPr>
+        <p:blipFill>
+          <a:blip r:embed="rId3">
+            <a:extLst>
+              <a:ext uri="{28A0092B-C50C-407E-A947-70E740481C1C}">
+                <a14:useLocalDpi xmlns:a14="http://schemas.microsoft.com/office/drawing/2010/main" val="0"/>
+              </a:ext>
+            </a:extLst>
+          </a:blip>
+          <a:stretch>
+            <a:fillRect/>
+          </a:stretch>
+        </p:blipFill>
+        <p:spPr>
+          <a:xfrm>
+            <a:off x="945544" y="2628195"/>
+            <a:ext cx="1257300" cy="292100"/>
+          </a:xfrm>
+          <a:prstGeom prst="rect">
+            <a:avLst/>
+          </a:prstGeom>
+        </p:spPr>
+      </p:pic>
+      <p:pic>
+        <p:nvPicPr>
+          <p:cNvPr id="9" name="Picture 8"/>
+          <p:cNvPicPr>
+            <a:picLocks noChangeAspect="1"/>
+          </p:cNvPicPr>
+          <p:nvPr/>
+        </p:nvPicPr>
+        <p:blipFill>
+          <a:blip r:embed="rId4">
+            <a:extLst>
+              <a:ext uri="{28A0092B-C50C-407E-A947-70E740481C1C}">
+                <a14:useLocalDpi xmlns:a14="http://schemas.microsoft.com/office/drawing/2010/main" val="0"/>
+              </a:ext>
+            </a:extLst>
+          </a:blip>
+          <a:stretch>
+            <a:fillRect/>
+          </a:stretch>
+        </p:blipFill>
+        <p:spPr>
+          <a:xfrm>
+            <a:off x="982307" y="3312591"/>
+            <a:ext cx="1841500" cy="520700"/>
+          </a:xfrm>
+          <a:prstGeom prst="rect">
+            <a:avLst/>
+          </a:prstGeom>
+        </p:spPr>
+      </p:pic>
+      <p:sp>
+        <p:nvSpPr>
+          <p:cNvPr id="10" name="TextBox 9"/>
+          <p:cNvSpPr txBox="1"/>
+          <p:nvPr/>
+        </p:nvSpPr>
+        <p:spPr>
+          <a:xfrm>
+            <a:off x="945543" y="3866716"/>
+            <a:ext cx="3481137" cy="369332"/>
+          </a:xfrm>
+          <a:prstGeom prst="rect">
+            <a:avLst/>
+          </a:prstGeom>
+          <a:noFill/>
+        </p:spPr>
+        <p:txBody>
+          <a:bodyPr wrap="square" rtlCol="0">
+            <a:spAutoFit/>
+          </a:bodyPr>
+          <a:lstStyle/>
+          <a:p>
+            <a:r>
+              <a:rPr lang="en-US" dirty="0" smtClean="0"/>
+              <a:t>And get the data from the sensor</a:t>
+            </a:r>
+            <a:endParaRPr lang="en-US" dirty="0"/>
+          </a:p>
+        </p:txBody>
+      </p:sp>
+      <p:pic>
+        <p:nvPicPr>
+          <p:cNvPr id="11" name="Picture 10"/>
+          <p:cNvPicPr>
+            <a:picLocks noChangeAspect="1"/>
+          </p:cNvPicPr>
+          <p:nvPr/>
+        </p:nvPicPr>
+        <p:blipFill>
+          <a:blip r:embed="rId5">
+            <a:extLst>
+              <a:ext uri="{28A0092B-C50C-407E-A947-70E740481C1C}">
+                <a14:useLocalDpi xmlns:a14="http://schemas.microsoft.com/office/drawing/2010/main" val="0"/>
+              </a:ext>
+            </a:extLst>
+          </a:blip>
+          <a:stretch>
+            <a:fillRect/>
+          </a:stretch>
+        </p:blipFill>
+        <p:spPr>
+          <a:xfrm>
+            <a:off x="908780" y="4236691"/>
+            <a:ext cx="3517900" cy="444500"/>
+          </a:xfrm>
+          <a:prstGeom prst="rect">
+            <a:avLst/>
+          </a:prstGeom>
+        </p:spPr>
+      </p:pic>
+      <p:sp>
+        <p:nvSpPr>
+          <p:cNvPr id="12" name="TextBox 11"/>
+          <p:cNvSpPr txBox="1"/>
+          <p:nvPr/>
+        </p:nvSpPr>
+        <p:spPr>
+          <a:xfrm>
+            <a:off x="982307" y="4730367"/>
+            <a:ext cx="7039203" cy="369332"/>
+          </a:xfrm>
+          <a:prstGeom prst="rect">
+            <a:avLst/>
+          </a:prstGeom>
+          <a:noFill/>
+        </p:spPr>
+        <p:txBody>
+          <a:bodyPr wrap="square" rtlCol="0">
+            <a:spAutoFit/>
+          </a:bodyPr>
+          <a:lstStyle/>
+          <a:p>
+            <a:r>
+              <a:rPr lang="en-US" dirty="0" smtClean="0"/>
+              <a:t>So you should be able to print out the temperature </a:t>
+            </a:r>
+            <a:r>
+              <a:rPr lang="en-US" smtClean="0"/>
+              <a:t>and humidity now</a:t>
+            </a:r>
+            <a:endParaRPr lang="en-US" dirty="0"/>
+          </a:p>
+        </p:txBody>
+      </p:sp>
+      <p:pic>
+        <p:nvPicPr>
+          <p:cNvPr id="13" name="Picture 12"/>
+          <p:cNvPicPr>
+            <a:picLocks noChangeAspect="1"/>
+          </p:cNvPicPr>
+          <p:nvPr/>
+        </p:nvPicPr>
+        <p:blipFill>
+          <a:blip r:embed="rId6">
+            <a:extLst>
+              <a:ext uri="{28A0092B-C50C-407E-A947-70E740481C1C}">
+                <a14:useLocalDpi xmlns:a14="http://schemas.microsoft.com/office/drawing/2010/main" val="0"/>
+              </a:ext>
+            </a:extLst>
+          </a:blip>
+          <a:stretch>
+            <a:fillRect/>
+          </a:stretch>
+        </p:blipFill>
+        <p:spPr>
+          <a:xfrm>
+            <a:off x="982307" y="5042545"/>
+            <a:ext cx="2679700" cy="1054100"/>
+          </a:xfrm>
+          <a:prstGeom prst="rect">
+            <a:avLst/>
+          </a:prstGeom>
+        </p:spPr>
+      </p:pic>
+    </p:spTree>
+    <p:extLst>
+      <p:ext uri="{BB962C8B-B14F-4D97-AF65-F5344CB8AC3E}">
+        <p14:creationId xmlns:p14="http://schemas.microsoft.com/office/powerpoint/2010/main" val="1276537770"/>
+      </p:ext>
+    </p:extLst>
+  </p:cSld>
+  <p:clrMapOvr>
+    <a:masterClrMapping/>
+  </p:clrMapOvr>
+</p:sld>
+</file>
+
+<file path=ppt/slides/slide12.xml><?xml version="1.0" encoding="utf-8"?>
+<p:sld xmlns:a="http://schemas.openxmlformats.org/drawingml/2006/main" xmlns:r="http://schemas.openxmlformats.org/officeDocument/2006/relationships" xmlns:p="http://schemas.openxmlformats.org/presentationml/2006/main">
+  <p:cSld>
+    <p:spTree>
+      <p:nvGrpSpPr>
+        <p:cNvPr id="1" name=""/>
+        <p:cNvGrpSpPr/>
+        <p:nvPr/>
+      </p:nvGrpSpPr>
+      <p:grpSpPr>
+        <a:xfrm>
+          <a:off x="0" y="0"/>
+          <a:ext cx="0" cy="0"/>
+          <a:chOff x="0" y="0"/>
+          <a:chExt cx="0" cy="0"/>
+        </a:xfrm>
+      </p:grpSpPr>
+      <p:sp>
+        <p:nvSpPr>
           <p:cNvPr id="2" name="Title 1"/>
           <p:cNvSpPr>
             <a:spLocks noGrp="1"/>
@@ -3614,7 +4116,7 @@
 </p:sld>
 </file>
 
-<file path=ppt/slides/slide12.xml><?xml version="1.0" encoding="utf-8"?>
+<file path=ppt/slides/slide13.xml><?xml version="1.0" encoding="utf-8"?>
 <p:sld xmlns:a="http://schemas.openxmlformats.org/drawingml/2006/main" xmlns:r="http://schemas.openxmlformats.org/officeDocument/2006/relationships" xmlns:p="http://schemas.openxmlformats.org/presentationml/2006/main">
   <p:cSld>
     <p:spTree>
@@ -4395,11 +4897,7 @@
             <a:pPr lvl="1"/>
             <a:r>
               <a:rPr lang="en-US" dirty="0" smtClean="0"/>
-              <a:t>Flash Size: 4M (1M SPIFFS</a:t>
-            </a:r>
-            <a:r>
-              <a:rPr lang="en-US" dirty="0" smtClean="0"/>
-              <a:t>)</a:t>
+              <a:t>Flash Size: 4M (1M SPIFFS)</a:t>
             </a:r>
           </a:p>
           <a:p>
@@ -4408,7 +4906,6 @@
               <a:rPr lang="en-US" u="sng" dirty="0" smtClean="0"/>
               <a:t>Flash Mode: “DOUT”</a:t>
             </a:r>
-            <a:endParaRPr lang="en-US" u="sng" dirty="0" smtClean="0"/>
           </a:p>
           <a:p>
             <a:pPr lvl="1"/>
@@ -4896,7 +5393,7 @@
         </p:blipFill>
         <p:spPr>
           <a:xfrm>
-            <a:off x="5486766" y="962109"/>
+            <a:off x="5653021" y="804490"/>
             <a:ext cx="6188509" cy="2378820"/>
           </a:xfrm>
           <a:prstGeom prst="rect">

--- a/Presentation.pptx
+++ b/Presentation.pptx
@@ -5,7 +5,7 @@
     <p:sldMasterId id="2147483669" r:id="rId1"/>
   </p:sldMasterIdLst>
   <p:notesMasterIdLst>
-    <p:notesMasterId r:id="rId15"/>
+    <p:notesMasterId r:id="rId16"/>
   </p:notesMasterIdLst>
   <p:sldIdLst>
     <p:sldId id="256" r:id="rId2"/>
@@ -17,10 +17,11 @@
     <p:sldId id="260" r:id="rId8"/>
     <p:sldId id="261" r:id="rId9"/>
     <p:sldId id="262" r:id="rId10"/>
-    <p:sldId id="263" r:id="rId11"/>
-    <p:sldId id="268" r:id="rId12"/>
-    <p:sldId id="264" r:id="rId13"/>
-    <p:sldId id="265" r:id="rId14"/>
+    <p:sldId id="269" r:id="rId11"/>
+    <p:sldId id="263" r:id="rId12"/>
+    <p:sldId id="268" r:id="rId13"/>
+    <p:sldId id="264" r:id="rId14"/>
+    <p:sldId id="265" r:id="rId15"/>
   </p:sldIdLst>
   <p:sldSz cx="12192000" cy="6858000"/>
   <p:notesSz cx="6858000" cy="9144000"/>
@@ -626,7 +627,7 @@
           <a:p>
             <a:fld id="{30AF9E6E-5D02-2B45-B2B9-A4636E4EBC28}" type="slidenum">
               <a:rPr lang="en-US" smtClean="0"/>
-              <a:t>10</a:t>
+              <a:t>11</a:t>
             </a:fld>
             <a:endParaRPr lang="en-US"/>
           </a:p>
@@ -3560,6 +3561,782 @@
       </p:grpSpPr>
       <p:sp>
         <p:nvSpPr>
+          <p:cNvPr id="3" name="Content Placeholder 2"/>
+          <p:cNvSpPr>
+            <a:spLocks noGrp="1"/>
+          </p:cNvSpPr>
+          <p:nvPr>
+            <p:ph idx="1"/>
+          </p:nvPr>
+        </p:nvSpPr>
+        <p:spPr>
+          <a:xfrm>
+            <a:off x="862263" y="105109"/>
+            <a:ext cx="10515600" cy="508502"/>
+          </a:xfrm>
+        </p:spPr>
+        <p:txBody>
+          <a:bodyPr/>
+          <a:lstStyle/>
+          <a:p>
+            <a:r>
+              <a:rPr lang="en-US" dirty="0" smtClean="0"/>
+              <a:t>So first we need the </a:t>
+            </a:r>
+            <a:r>
+              <a:rPr lang="en-US" dirty="0" err="1" smtClean="0"/>
+              <a:t>wifi</a:t>
+            </a:r>
+            <a:r>
+              <a:rPr lang="en-US" dirty="0" smtClean="0"/>
+              <a:t> library</a:t>
+            </a:r>
+            <a:endParaRPr lang="en-US" dirty="0"/>
+          </a:p>
+        </p:txBody>
+      </p:sp>
+      <p:sp>
+        <p:nvSpPr>
+          <p:cNvPr id="4" name="Content Placeholder 2"/>
+          <p:cNvSpPr txBox="1">
+            <a:spLocks/>
+          </p:cNvSpPr>
+          <p:nvPr/>
+        </p:nvSpPr>
+        <p:spPr>
+          <a:xfrm>
+            <a:off x="753979" y="1941931"/>
+            <a:ext cx="10515600" cy="508502"/>
+          </a:xfrm>
+          <a:prstGeom prst="rect">
+            <a:avLst/>
+          </a:prstGeom>
+        </p:spPr>
+        <p:txBody>
+          <a:bodyPr vert="horz" lIns="91440" tIns="45720" rIns="91440" bIns="45720" rtlCol="0">
+            <a:normAutofit/>
+          </a:bodyPr>
+          <a:lstStyle>
+            <a:lvl1pPr marL="228600" indent="-228600" algn="l" defTabSz="914400" rtl="0" eaLnBrk="1" latinLnBrk="0" hangingPunct="1">
+              <a:lnSpc>
+                <a:spcPct val="90000"/>
+              </a:lnSpc>
+              <a:spcBef>
+                <a:spcPts val="1000"/>
+              </a:spcBef>
+              <a:buFont typeface="Arial"/>
+              <a:buChar char="•"/>
+              <a:defRPr sz="2800" kern="1200">
+                <a:solidFill>
+                  <a:schemeClr val="tx1"/>
+                </a:solidFill>
+                <a:latin typeface="+mn-lt"/>
+                <a:ea typeface="+mn-ea"/>
+                <a:cs typeface="+mn-cs"/>
+              </a:defRPr>
+            </a:lvl1pPr>
+            <a:lvl2pPr marL="685800" indent="-228600" algn="l" defTabSz="914400" rtl="0" eaLnBrk="1" latinLnBrk="0" hangingPunct="1">
+              <a:lnSpc>
+                <a:spcPct val="90000"/>
+              </a:lnSpc>
+              <a:spcBef>
+                <a:spcPts val="500"/>
+              </a:spcBef>
+              <a:buFont typeface="Arial"/>
+              <a:buChar char="•"/>
+              <a:defRPr sz="2400" kern="1200">
+                <a:solidFill>
+                  <a:schemeClr val="tx1"/>
+                </a:solidFill>
+                <a:latin typeface="+mn-lt"/>
+                <a:ea typeface="+mn-ea"/>
+                <a:cs typeface="+mn-cs"/>
+              </a:defRPr>
+            </a:lvl2pPr>
+            <a:lvl3pPr marL="1143000" indent="-228600" algn="l" defTabSz="914400" rtl="0" eaLnBrk="1" latinLnBrk="0" hangingPunct="1">
+              <a:lnSpc>
+                <a:spcPct val="90000"/>
+              </a:lnSpc>
+              <a:spcBef>
+                <a:spcPts val="500"/>
+              </a:spcBef>
+              <a:buFont typeface="Arial"/>
+              <a:buChar char="•"/>
+              <a:defRPr sz="2000" kern="1200">
+                <a:solidFill>
+                  <a:schemeClr val="tx1"/>
+                </a:solidFill>
+                <a:latin typeface="+mn-lt"/>
+                <a:ea typeface="+mn-ea"/>
+                <a:cs typeface="+mn-cs"/>
+              </a:defRPr>
+            </a:lvl3pPr>
+            <a:lvl4pPr marL="1600200" indent="-228600" algn="l" defTabSz="914400" rtl="0" eaLnBrk="1" latinLnBrk="0" hangingPunct="1">
+              <a:lnSpc>
+                <a:spcPct val="90000"/>
+              </a:lnSpc>
+              <a:spcBef>
+                <a:spcPts val="500"/>
+              </a:spcBef>
+              <a:buFont typeface="Arial"/>
+              <a:buChar char="•"/>
+              <a:defRPr sz="1800" kern="1200">
+                <a:solidFill>
+                  <a:schemeClr val="tx1"/>
+                </a:solidFill>
+                <a:latin typeface="+mn-lt"/>
+                <a:ea typeface="+mn-ea"/>
+                <a:cs typeface="+mn-cs"/>
+              </a:defRPr>
+            </a:lvl4pPr>
+            <a:lvl5pPr marL="2057400" indent="-228600" algn="l" defTabSz="914400" rtl="0" eaLnBrk="1" latinLnBrk="0" hangingPunct="1">
+              <a:lnSpc>
+                <a:spcPct val="90000"/>
+              </a:lnSpc>
+              <a:spcBef>
+                <a:spcPts val="500"/>
+              </a:spcBef>
+              <a:buFont typeface="Arial"/>
+              <a:buChar char="•"/>
+              <a:defRPr sz="1800" kern="1200">
+                <a:solidFill>
+                  <a:schemeClr val="tx1"/>
+                </a:solidFill>
+                <a:latin typeface="+mn-lt"/>
+                <a:ea typeface="+mn-ea"/>
+                <a:cs typeface="+mn-cs"/>
+              </a:defRPr>
+            </a:lvl5pPr>
+            <a:lvl6pPr marL="2514600" indent="-228600" algn="l" defTabSz="914400" rtl="0" eaLnBrk="1" latinLnBrk="0" hangingPunct="1">
+              <a:lnSpc>
+                <a:spcPct val="90000"/>
+              </a:lnSpc>
+              <a:spcBef>
+                <a:spcPts val="500"/>
+              </a:spcBef>
+              <a:buFont typeface="Arial"/>
+              <a:buChar char="•"/>
+              <a:defRPr sz="1800" kern="1200">
+                <a:solidFill>
+                  <a:schemeClr val="tx1"/>
+                </a:solidFill>
+                <a:latin typeface="+mn-lt"/>
+                <a:ea typeface="+mn-ea"/>
+                <a:cs typeface="+mn-cs"/>
+              </a:defRPr>
+            </a:lvl6pPr>
+            <a:lvl7pPr marL="2971800" indent="-228600" algn="l" defTabSz="914400" rtl="0" eaLnBrk="1" latinLnBrk="0" hangingPunct="1">
+              <a:lnSpc>
+                <a:spcPct val="90000"/>
+              </a:lnSpc>
+              <a:spcBef>
+                <a:spcPts val="500"/>
+              </a:spcBef>
+              <a:buFont typeface="Arial"/>
+              <a:buChar char="•"/>
+              <a:defRPr sz="1800" kern="1200">
+                <a:solidFill>
+                  <a:schemeClr val="tx1"/>
+                </a:solidFill>
+                <a:latin typeface="+mn-lt"/>
+                <a:ea typeface="+mn-ea"/>
+                <a:cs typeface="+mn-cs"/>
+              </a:defRPr>
+            </a:lvl7pPr>
+            <a:lvl8pPr marL="3429000" indent="-228600" algn="l" defTabSz="914400" rtl="0" eaLnBrk="1" latinLnBrk="0" hangingPunct="1">
+              <a:lnSpc>
+                <a:spcPct val="90000"/>
+              </a:lnSpc>
+              <a:spcBef>
+                <a:spcPts val="500"/>
+              </a:spcBef>
+              <a:buFont typeface="Arial"/>
+              <a:buChar char="•"/>
+              <a:defRPr sz="1800" kern="1200">
+                <a:solidFill>
+                  <a:schemeClr val="tx1"/>
+                </a:solidFill>
+                <a:latin typeface="+mn-lt"/>
+                <a:ea typeface="+mn-ea"/>
+                <a:cs typeface="+mn-cs"/>
+              </a:defRPr>
+            </a:lvl8pPr>
+            <a:lvl9pPr marL="3886200" indent="-228600" algn="l" defTabSz="914400" rtl="0" eaLnBrk="1" latinLnBrk="0" hangingPunct="1">
+              <a:lnSpc>
+                <a:spcPct val="90000"/>
+              </a:lnSpc>
+              <a:spcBef>
+                <a:spcPts val="500"/>
+              </a:spcBef>
+              <a:buFont typeface="Arial"/>
+              <a:buChar char="•"/>
+              <a:defRPr sz="1800" kern="1200">
+                <a:solidFill>
+                  <a:schemeClr val="tx1"/>
+                </a:solidFill>
+                <a:latin typeface="+mn-lt"/>
+                <a:ea typeface="+mn-ea"/>
+                <a:cs typeface="+mn-cs"/>
+              </a:defRPr>
+            </a:lvl9pPr>
+          </a:lstStyle>
+          <a:p>
+            <a:r>
+              <a:rPr lang="en-US" dirty="0" smtClean="0"/>
+              <a:t>Now  we have to connect using those:</a:t>
+            </a:r>
+            <a:endParaRPr lang="en-US" dirty="0"/>
+          </a:p>
+        </p:txBody>
+      </p:sp>
+      <p:sp>
+        <p:nvSpPr>
+          <p:cNvPr id="5" name="Content Placeholder 2"/>
+          <p:cNvSpPr txBox="1">
+            <a:spLocks/>
+          </p:cNvSpPr>
+          <p:nvPr/>
+        </p:nvSpPr>
+        <p:spPr>
+          <a:xfrm>
+            <a:off x="753979" y="1023520"/>
+            <a:ext cx="10515600" cy="508502"/>
+          </a:xfrm>
+          <a:prstGeom prst="rect">
+            <a:avLst/>
+          </a:prstGeom>
+        </p:spPr>
+        <p:txBody>
+          <a:bodyPr vert="horz" lIns="91440" tIns="45720" rIns="91440" bIns="45720" rtlCol="0">
+            <a:normAutofit/>
+          </a:bodyPr>
+          <a:lstStyle>
+            <a:lvl1pPr marL="228600" indent="-228600" algn="l" defTabSz="914400" rtl="0" eaLnBrk="1" latinLnBrk="0" hangingPunct="1">
+              <a:lnSpc>
+                <a:spcPct val="90000"/>
+              </a:lnSpc>
+              <a:spcBef>
+                <a:spcPts val="1000"/>
+              </a:spcBef>
+              <a:buFont typeface="Arial"/>
+              <a:buChar char="•"/>
+              <a:defRPr sz="2800" kern="1200">
+                <a:solidFill>
+                  <a:schemeClr val="tx1"/>
+                </a:solidFill>
+                <a:latin typeface="+mn-lt"/>
+                <a:ea typeface="+mn-ea"/>
+                <a:cs typeface="+mn-cs"/>
+              </a:defRPr>
+            </a:lvl1pPr>
+            <a:lvl2pPr marL="685800" indent="-228600" algn="l" defTabSz="914400" rtl="0" eaLnBrk="1" latinLnBrk="0" hangingPunct="1">
+              <a:lnSpc>
+                <a:spcPct val="90000"/>
+              </a:lnSpc>
+              <a:spcBef>
+                <a:spcPts val="500"/>
+              </a:spcBef>
+              <a:buFont typeface="Arial"/>
+              <a:buChar char="•"/>
+              <a:defRPr sz="2400" kern="1200">
+                <a:solidFill>
+                  <a:schemeClr val="tx1"/>
+                </a:solidFill>
+                <a:latin typeface="+mn-lt"/>
+                <a:ea typeface="+mn-ea"/>
+                <a:cs typeface="+mn-cs"/>
+              </a:defRPr>
+            </a:lvl2pPr>
+            <a:lvl3pPr marL="1143000" indent="-228600" algn="l" defTabSz="914400" rtl="0" eaLnBrk="1" latinLnBrk="0" hangingPunct="1">
+              <a:lnSpc>
+                <a:spcPct val="90000"/>
+              </a:lnSpc>
+              <a:spcBef>
+                <a:spcPts val="500"/>
+              </a:spcBef>
+              <a:buFont typeface="Arial"/>
+              <a:buChar char="•"/>
+              <a:defRPr sz="2000" kern="1200">
+                <a:solidFill>
+                  <a:schemeClr val="tx1"/>
+                </a:solidFill>
+                <a:latin typeface="+mn-lt"/>
+                <a:ea typeface="+mn-ea"/>
+                <a:cs typeface="+mn-cs"/>
+              </a:defRPr>
+            </a:lvl3pPr>
+            <a:lvl4pPr marL="1600200" indent="-228600" algn="l" defTabSz="914400" rtl="0" eaLnBrk="1" latinLnBrk="0" hangingPunct="1">
+              <a:lnSpc>
+                <a:spcPct val="90000"/>
+              </a:lnSpc>
+              <a:spcBef>
+                <a:spcPts val="500"/>
+              </a:spcBef>
+              <a:buFont typeface="Arial"/>
+              <a:buChar char="•"/>
+              <a:defRPr sz="1800" kern="1200">
+                <a:solidFill>
+                  <a:schemeClr val="tx1"/>
+                </a:solidFill>
+                <a:latin typeface="+mn-lt"/>
+                <a:ea typeface="+mn-ea"/>
+                <a:cs typeface="+mn-cs"/>
+              </a:defRPr>
+            </a:lvl4pPr>
+            <a:lvl5pPr marL="2057400" indent="-228600" algn="l" defTabSz="914400" rtl="0" eaLnBrk="1" latinLnBrk="0" hangingPunct="1">
+              <a:lnSpc>
+                <a:spcPct val="90000"/>
+              </a:lnSpc>
+              <a:spcBef>
+                <a:spcPts val="500"/>
+              </a:spcBef>
+              <a:buFont typeface="Arial"/>
+              <a:buChar char="•"/>
+              <a:defRPr sz="1800" kern="1200">
+                <a:solidFill>
+                  <a:schemeClr val="tx1"/>
+                </a:solidFill>
+                <a:latin typeface="+mn-lt"/>
+                <a:ea typeface="+mn-ea"/>
+                <a:cs typeface="+mn-cs"/>
+              </a:defRPr>
+            </a:lvl5pPr>
+            <a:lvl6pPr marL="2514600" indent="-228600" algn="l" defTabSz="914400" rtl="0" eaLnBrk="1" latinLnBrk="0" hangingPunct="1">
+              <a:lnSpc>
+                <a:spcPct val="90000"/>
+              </a:lnSpc>
+              <a:spcBef>
+                <a:spcPts val="500"/>
+              </a:spcBef>
+              <a:buFont typeface="Arial"/>
+              <a:buChar char="•"/>
+              <a:defRPr sz="1800" kern="1200">
+                <a:solidFill>
+                  <a:schemeClr val="tx1"/>
+                </a:solidFill>
+                <a:latin typeface="+mn-lt"/>
+                <a:ea typeface="+mn-ea"/>
+                <a:cs typeface="+mn-cs"/>
+              </a:defRPr>
+            </a:lvl6pPr>
+            <a:lvl7pPr marL="2971800" indent="-228600" algn="l" defTabSz="914400" rtl="0" eaLnBrk="1" latinLnBrk="0" hangingPunct="1">
+              <a:lnSpc>
+                <a:spcPct val="90000"/>
+              </a:lnSpc>
+              <a:spcBef>
+                <a:spcPts val="500"/>
+              </a:spcBef>
+              <a:buFont typeface="Arial"/>
+              <a:buChar char="•"/>
+              <a:defRPr sz="1800" kern="1200">
+                <a:solidFill>
+                  <a:schemeClr val="tx1"/>
+                </a:solidFill>
+                <a:latin typeface="+mn-lt"/>
+                <a:ea typeface="+mn-ea"/>
+                <a:cs typeface="+mn-cs"/>
+              </a:defRPr>
+            </a:lvl7pPr>
+            <a:lvl8pPr marL="3429000" indent="-228600" algn="l" defTabSz="914400" rtl="0" eaLnBrk="1" latinLnBrk="0" hangingPunct="1">
+              <a:lnSpc>
+                <a:spcPct val="90000"/>
+              </a:lnSpc>
+              <a:spcBef>
+                <a:spcPts val="500"/>
+              </a:spcBef>
+              <a:buFont typeface="Arial"/>
+              <a:buChar char="•"/>
+              <a:defRPr sz="1800" kern="1200">
+                <a:solidFill>
+                  <a:schemeClr val="tx1"/>
+                </a:solidFill>
+                <a:latin typeface="+mn-lt"/>
+                <a:ea typeface="+mn-ea"/>
+                <a:cs typeface="+mn-cs"/>
+              </a:defRPr>
+            </a:lvl8pPr>
+            <a:lvl9pPr marL="3886200" indent="-228600" algn="l" defTabSz="914400" rtl="0" eaLnBrk="1" latinLnBrk="0" hangingPunct="1">
+              <a:lnSpc>
+                <a:spcPct val="90000"/>
+              </a:lnSpc>
+              <a:spcBef>
+                <a:spcPts val="500"/>
+              </a:spcBef>
+              <a:buFont typeface="Arial"/>
+              <a:buChar char="•"/>
+              <a:defRPr sz="1800" kern="1200">
+                <a:solidFill>
+                  <a:schemeClr val="tx1"/>
+                </a:solidFill>
+                <a:latin typeface="+mn-lt"/>
+                <a:ea typeface="+mn-ea"/>
+                <a:cs typeface="+mn-cs"/>
+              </a:defRPr>
+            </a:lvl9pPr>
+          </a:lstStyle>
+          <a:p>
+            <a:r>
+              <a:rPr lang="en-US" dirty="0" smtClean="0"/>
+              <a:t>Now we need the </a:t>
+            </a:r>
+            <a:r>
+              <a:rPr lang="en-US" dirty="0" err="1" smtClean="0"/>
+              <a:t>wifi</a:t>
+            </a:r>
+            <a:r>
+              <a:rPr lang="en-US" dirty="0" smtClean="0"/>
+              <a:t> network SSID and password:</a:t>
+            </a:r>
+            <a:endParaRPr lang="en-US" dirty="0"/>
+          </a:p>
+        </p:txBody>
+      </p:sp>
+      <p:pic>
+        <p:nvPicPr>
+          <p:cNvPr id="6" name="Picture 5"/>
+          <p:cNvPicPr>
+            <a:picLocks noChangeAspect="1"/>
+          </p:cNvPicPr>
+          <p:nvPr/>
+        </p:nvPicPr>
+        <p:blipFill>
+          <a:blip r:embed="rId2">
+            <a:extLst>
+              <a:ext uri="{28A0092B-C50C-407E-A947-70E740481C1C}">
+                <a14:useLocalDpi xmlns:a14="http://schemas.microsoft.com/office/drawing/2010/main" val="0"/>
+              </a:ext>
+            </a:extLst>
+          </a:blip>
+          <a:stretch>
+            <a:fillRect/>
+          </a:stretch>
+        </p:blipFill>
+        <p:spPr>
+          <a:xfrm>
+            <a:off x="862263" y="613611"/>
+            <a:ext cx="2374900" cy="381000"/>
+          </a:xfrm>
+          <a:prstGeom prst="rect">
+            <a:avLst/>
+          </a:prstGeom>
+        </p:spPr>
+      </p:pic>
+      <p:pic>
+        <p:nvPicPr>
+          <p:cNvPr id="7" name="Picture 6"/>
+          <p:cNvPicPr>
+            <a:picLocks noChangeAspect="1"/>
+          </p:cNvPicPr>
+          <p:nvPr/>
+        </p:nvPicPr>
+        <p:blipFill>
+          <a:blip r:embed="rId3">
+            <a:extLst>
+              <a:ext uri="{28A0092B-C50C-407E-A947-70E740481C1C}">
+                <a14:useLocalDpi xmlns:a14="http://schemas.microsoft.com/office/drawing/2010/main" val="0"/>
+              </a:ext>
+            </a:extLst>
+          </a:blip>
+          <a:stretch>
+            <a:fillRect/>
+          </a:stretch>
+        </p:blipFill>
+        <p:spPr>
+          <a:xfrm>
+            <a:off x="862263" y="1470277"/>
+            <a:ext cx="3898900" cy="533400"/>
+          </a:xfrm>
+          <a:prstGeom prst="rect">
+            <a:avLst/>
+          </a:prstGeom>
+        </p:spPr>
+      </p:pic>
+      <p:pic>
+        <p:nvPicPr>
+          <p:cNvPr id="8" name="Picture 7"/>
+          <p:cNvPicPr>
+            <a:picLocks noChangeAspect="1"/>
+          </p:cNvPicPr>
+          <p:nvPr/>
+        </p:nvPicPr>
+        <p:blipFill>
+          <a:blip r:embed="rId4">
+            <a:extLst>
+              <a:ext uri="{28A0092B-C50C-407E-A947-70E740481C1C}">
+                <a14:useLocalDpi xmlns:a14="http://schemas.microsoft.com/office/drawing/2010/main" val="0"/>
+              </a:ext>
+            </a:extLst>
+          </a:blip>
+          <a:stretch>
+            <a:fillRect/>
+          </a:stretch>
+        </p:blipFill>
+        <p:spPr>
+          <a:xfrm>
+            <a:off x="753979" y="2541087"/>
+            <a:ext cx="3873500" cy="1498600"/>
+          </a:xfrm>
+          <a:prstGeom prst="rect">
+            <a:avLst/>
+          </a:prstGeom>
+        </p:spPr>
+      </p:pic>
+      <p:sp>
+        <p:nvSpPr>
+          <p:cNvPr id="9" name="Content Placeholder 2"/>
+          <p:cNvSpPr txBox="1">
+            <a:spLocks/>
+          </p:cNvSpPr>
+          <p:nvPr/>
+        </p:nvSpPr>
+        <p:spPr>
+          <a:xfrm>
+            <a:off x="753979" y="4235952"/>
+            <a:ext cx="10515600" cy="508502"/>
+          </a:xfrm>
+          <a:prstGeom prst="rect">
+            <a:avLst/>
+          </a:prstGeom>
+        </p:spPr>
+        <p:txBody>
+          <a:bodyPr vert="horz" lIns="91440" tIns="45720" rIns="91440" bIns="45720" rtlCol="0">
+            <a:normAutofit/>
+          </a:bodyPr>
+          <a:lstStyle>
+            <a:lvl1pPr marL="228600" indent="-228600" algn="l" defTabSz="914400" rtl="0" eaLnBrk="1" latinLnBrk="0" hangingPunct="1">
+              <a:lnSpc>
+                <a:spcPct val="90000"/>
+              </a:lnSpc>
+              <a:spcBef>
+                <a:spcPts val="1000"/>
+              </a:spcBef>
+              <a:buFont typeface="Arial"/>
+              <a:buChar char="•"/>
+              <a:defRPr sz="2800" kern="1200">
+                <a:solidFill>
+                  <a:schemeClr val="tx1"/>
+                </a:solidFill>
+                <a:latin typeface="+mn-lt"/>
+                <a:ea typeface="+mn-ea"/>
+                <a:cs typeface="+mn-cs"/>
+              </a:defRPr>
+            </a:lvl1pPr>
+            <a:lvl2pPr marL="685800" indent="-228600" algn="l" defTabSz="914400" rtl="0" eaLnBrk="1" latinLnBrk="0" hangingPunct="1">
+              <a:lnSpc>
+                <a:spcPct val="90000"/>
+              </a:lnSpc>
+              <a:spcBef>
+                <a:spcPts val="500"/>
+              </a:spcBef>
+              <a:buFont typeface="Arial"/>
+              <a:buChar char="•"/>
+              <a:defRPr sz="2400" kern="1200">
+                <a:solidFill>
+                  <a:schemeClr val="tx1"/>
+                </a:solidFill>
+                <a:latin typeface="+mn-lt"/>
+                <a:ea typeface="+mn-ea"/>
+                <a:cs typeface="+mn-cs"/>
+              </a:defRPr>
+            </a:lvl2pPr>
+            <a:lvl3pPr marL="1143000" indent="-228600" algn="l" defTabSz="914400" rtl="0" eaLnBrk="1" latinLnBrk="0" hangingPunct="1">
+              <a:lnSpc>
+                <a:spcPct val="90000"/>
+              </a:lnSpc>
+              <a:spcBef>
+                <a:spcPts val="500"/>
+              </a:spcBef>
+              <a:buFont typeface="Arial"/>
+              <a:buChar char="•"/>
+              <a:defRPr sz="2000" kern="1200">
+                <a:solidFill>
+                  <a:schemeClr val="tx1"/>
+                </a:solidFill>
+                <a:latin typeface="+mn-lt"/>
+                <a:ea typeface="+mn-ea"/>
+                <a:cs typeface="+mn-cs"/>
+              </a:defRPr>
+            </a:lvl3pPr>
+            <a:lvl4pPr marL="1600200" indent="-228600" algn="l" defTabSz="914400" rtl="0" eaLnBrk="1" latinLnBrk="0" hangingPunct="1">
+              <a:lnSpc>
+                <a:spcPct val="90000"/>
+              </a:lnSpc>
+              <a:spcBef>
+                <a:spcPts val="500"/>
+              </a:spcBef>
+              <a:buFont typeface="Arial"/>
+              <a:buChar char="•"/>
+              <a:defRPr sz="1800" kern="1200">
+                <a:solidFill>
+                  <a:schemeClr val="tx1"/>
+                </a:solidFill>
+                <a:latin typeface="+mn-lt"/>
+                <a:ea typeface="+mn-ea"/>
+                <a:cs typeface="+mn-cs"/>
+              </a:defRPr>
+            </a:lvl4pPr>
+            <a:lvl5pPr marL="2057400" indent="-228600" algn="l" defTabSz="914400" rtl="0" eaLnBrk="1" latinLnBrk="0" hangingPunct="1">
+              <a:lnSpc>
+                <a:spcPct val="90000"/>
+              </a:lnSpc>
+              <a:spcBef>
+                <a:spcPts val="500"/>
+              </a:spcBef>
+              <a:buFont typeface="Arial"/>
+              <a:buChar char="•"/>
+              <a:defRPr sz="1800" kern="1200">
+                <a:solidFill>
+                  <a:schemeClr val="tx1"/>
+                </a:solidFill>
+                <a:latin typeface="+mn-lt"/>
+                <a:ea typeface="+mn-ea"/>
+                <a:cs typeface="+mn-cs"/>
+              </a:defRPr>
+            </a:lvl5pPr>
+            <a:lvl6pPr marL="2514600" indent="-228600" algn="l" defTabSz="914400" rtl="0" eaLnBrk="1" latinLnBrk="0" hangingPunct="1">
+              <a:lnSpc>
+                <a:spcPct val="90000"/>
+              </a:lnSpc>
+              <a:spcBef>
+                <a:spcPts val="500"/>
+              </a:spcBef>
+              <a:buFont typeface="Arial"/>
+              <a:buChar char="•"/>
+              <a:defRPr sz="1800" kern="1200">
+                <a:solidFill>
+                  <a:schemeClr val="tx1"/>
+                </a:solidFill>
+                <a:latin typeface="+mn-lt"/>
+                <a:ea typeface="+mn-ea"/>
+                <a:cs typeface="+mn-cs"/>
+              </a:defRPr>
+            </a:lvl6pPr>
+            <a:lvl7pPr marL="2971800" indent="-228600" algn="l" defTabSz="914400" rtl="0" eaLnBrk="1" latinLnBrk="0" hangingPunct="1">
+              <a:lnSpc>
+                <a:spcPct val="90000"/>
+              </a:lnSpc>
+              <a:spcBef>
+                <a:spcPts val="500"/>
+              </a:spcBef>
+              <a:buFont typeface="Arial"/>
+              <a:buChar char="•"/>
+              <a:defRPr sz="1800" kern="1200">
+                <a:solidFill>
+                  <a:schemeClr val="tx1"/>
+                </a:solidFill>
+                <a:latin typeface="+mn-lt"/>
+                <a:ea typeface="+mn-ea"/>
+                <a:cs typeface="+mn-cs"/>
+              </a:defRPr>
+            </a:lvl7pPr>
+            <a:lvl8pPr marL="3429000" indent="-228600" algn="l" defTabSz="914400" rtl="0" eaLnBrk="1" latinLnBrk="0" hangingPunct="1">
+              <a:lnSpc>
+                <a:spcPct val="90000"/>
+              </a:lnSpc>
+              <a:spcBef>
+                <a:spcPts val="500"/>
+              </a:spcBef>
+              <a:buFont typeface="Arial"/>
+              <a:buChar char="•"/>
+              <a:defRPr sz="1800" kern="1200">
+                <a:solidFill>
+                  <a:schemeClr val="tx1"/>
+                </a:solidFill>
+                <a:latin typeface="+mn-lt"/>
+                <a:ea typeface="+mn-ea"/>
+                <a:cs typeface="+mn-cs"/>
+              </a:defRPr>
+            </a:lvl8pPr>
+            <a:lvl9pPr marL="3886200" indent="-228600" algn="l" defTabSz="914400" rtl="0" eaLnBrk="1" latinLnBrk="0" hangingPunct="1">
+              <a:lnSpc>
+                <a:spcPct val="90000"/>
+              </a:lnSpc>
+              <a:spcBef>
+                <a:spcPts val="500"/>
+              </a:spcBef>
+              <a:buFont typeface="Arial"/>
+              <a:buChar char="•"/>
+              <a:defRPr sz="1800" kern="1200">
+                <a:solidFill>
+                  <a:schemeClr val="tx1"/>
+                </a:solidFill>
+                <a:latin typeface="+mn-lt"/>
+                <a:ea typeface="+mn-ea"/>
+                <a:cs typeface="+mn-cs"/>
+              </a:defRPr>
+            </a:lvl9pPr>
+          </a:lstStyle>
+          <a:p>
+            <a:r>
+              <a:rPr lang="en-US" dirty="0" smtClean="0"/>
+              <a:t>Finally let’s print out the IP address we were given:</a:t>
+            </a:r>
+            <a:endParaRPr lang="en-US" dirty="0"/>
+          </a:p>
+        </p:txBody>
+      </p:sp>
+      <p:pic>
+        <p:nvPicPr>
+          <p:cNvPr id="10" name="Picture 9"/>
+          <p:cNvPicPr>
+            <a:picLocks noChangeAspect="1"/>
+          </p:cNvPicPr>
+          <p:nvPr/>
+        </p:nvPicPr>
+        <p:blipFill>
+          <a:blip r:embed="rId5">
+            <a:extLst>
+              <a:ext uri="{28A0092B-C50C-407E-A947-70E740481C1C}">
+                <a14:useLocalDpi xmlns:a14="http://schemas.microsoft.com/office/drawing/2010/main" val="0"/>
+              </a:ext>
+            </a:extLst>
+          </a:blip>
+          <a:stretch>
+            <a:fillRect/>
+          </a:stretch>
+        </p:blipFill>
+        <p:spPr>
+          <a:xfrm>
+            <a:off x="753979" y="4907656"/>
+            <a:ext cx="3276600" cy="685800"/>
+          </a:xfrm>
+          <a:prstGeom prst="rect">
+            <a:avLst/>
+          </a:prstGeom>
+        </p:spPr>
+      </p:pic>
+    </p:spTree>
+    <p:extLst>
+      <p:ext uri="{BB962C8B-B14F-4D97-AF65-F5344CB8AC3E}">
+        <p14:creationId xmlns:p14="http://schemas.microsoft.com/office/powerpoint/2010/main" val="1122341997"/>
+      </p:ext>
+    </p:extLst>
+  </p:cSld>
+  <p:clrMapOvr>
+    <a:masterClrMapping/>
+  </p:clrMapOvr>
+</p:sld>
+</file>
+
+<file path=ppt/slides/slide11.xml><?xml version="1.0" encoding="utf-8"?>
+<p:sld xmlns:a="http://schemas.openxmlformats.org/drawingml/2006/main" xmlns:r="http://schemas.openxmlformats.org/officeDocument/2006/relationships" xmlns:p="http://schemas.openxmlformats.org/presentationml/2006/main">
+  <p:cSld>
+    <p:spTree>
+      <p:nvGrpSpPr>
+        <p:cNvPr id="1" name=""/>
+        <p:cNvGrpSpPr/>
+        <p:nvPr/>
+      </p:nvGrpSpPr>
+      <p:grpSpPr>
+        <a:xfrm>
+          <a:off x="0" y="0"/>
+          <a:ext cx="0" cy="0"/>
+          <a:chOff x="0" y="0"/>
+          <a:chExt cx="0" cy="0"/>
+        </a:xfrm>
+      </p:grpSpPr>
+      <p:sp>
+        <p:nvSpPr>
           <p:cNvPr id="2" name="Title 1"/>
           <p:cNvSpPr>
             <a:spLocks noGrp="1"/>
@@ -3695,7 +4472,7 @@
 </p:sld>
 </file>
 
-<file path=ppt/slides/slide11.xml><?xml version="1.0" encoding="utf-8"?>
+<file path=ppt/slides/slide12.xml><?xml version="1.0" encoding="utf-8"?>
 <p:sld xmlns:a="http://schemas.openxmlformats.org/drawingml/2006/main" xmlns:r="http://schemas.openxmlformats.org/officeDocument/2006/relationships" xmlns:p="http://schemas.openxmlformats.org/presentationml/2006/main">
   <p:cSld>
     <p:spTree>
@@ -4037,7 +4814,7 @@
 </p:sld>
 </file>
 
-<file path=ppt/slides/slide12.xml><?xml version="1.0" encoding="utf-8"?>
+<file path=ppt/slides/slide13.xml><?xml version="1.0" encoding="utf-8"?>
 <p:sld xmlns:a="http://schemas.openxmlformats.org/drawingml/2006/main" xmlns:r="http://schemas.openxmlformats.org/officeDocument/2006/relationships" xmlns:p="http://schemas.openxmlformats.org/presentationml/2006/main">
   <p:cSld>
     <p:spTree>
@@ -4116,7 +4893,7 @@
 </p:sld>
 </file>
 
-<file path=ppt/slides/slide13.xml><?xml version="1.0" encoding="utf-8"?>
+<file path=ppt/slides/slide14.xml><?xml version="1.0" encoding="utf-8"?>
 <p:sld xmlns:a="http://schemas.openxmlformats.org/drawingml/2006/main" xmlns:r="http://schemas.openxmlformats.org/officeDocument/2006/relationships" xmlns:p="http://schemas.openxmlformats.org/presentationml/2006/main">
   <p:cSld>
     <p:spTree>
@@ -5505,15 +6282,101 @@
             <p:ph idx="1"/>
           </p:nvPr>
         </p:nvSpPr>
-        <p:spPr/>
-        <p:txBody>
-          <a:bodyPr/>
-          <a:lstStyle/>
-          <a:p>
-            <a:endParaRPr lang="en-US"/>
-          </a:p>
-        </p:txBody>
-      </p:sp>
+        <p:spPr>
+          <a:xfrm>
+            <a:off x="838200" y="1825625"/>
+            <a:ext cx="10515600" cy="2427720"/>
+          </a:xfrm>
+        </p:spPr>
+        <p:txBody>
+          <a:bodyPr/>
+          <a:lstStyle/>
+          <a:p>
+            <a:r>
+              <a:rPr lang="en-US" dirty="0" smtClean="0"/>
+              <a:t>First let’s make sure that the </a:t>
+            </a:r>
+            <a:r>
+              <a:rPr lang="en-US" dirty="0" err="1" smtClean="0"/>
+              <a:t>wifi</a:t>
+            </a:r>
+            <a:r>
+              <a:rPr lang="en-US" dirty="0" smtClean="0"/>
+              <a:t> actually works</a:t>
+            </a:r>
+            <a:r>
+              <a:rPr lang="mr-IN" dirty="0" smtClean="0"/>
+              <a:t>…</a:t>
+            </a:r>
+            <a:r>
+              <a:rPr lang="en-US" dirty="0" smtClean="0"/>
+              <a:t>.select the ESP8266 </a:t>
+            </a:r>
+            <a:r>
+              <a:rPr lang="en-US" dirty="0" err="1" smtClean="0"/>
+              <a:t>wifi</a:t>
+            </a:r>
+            <a:r>
+              <a:rPr lang="en-US" dirty="0" smtClean="0"/>
+              <a:t> scan example from the list and uploading it </a:t>
+            </a:r>
+            <a:r>
+              <a:rPr lang="mr-IN" dirty="0" smtClean="0"/>
+              <a:t>–</a:t>
+            </a:r>
+            <a:r>
+              <a:rPr lang="en-US" dirty="0" smtClean="0"/>
+              <a:t> it will build and upload.</a:t>
+            </a:r>
+          </a:p>
+          <a:p>
+            <a:r>
+              <a:rPr lang="en-US" dirty="0" smtClean="0"/>
+              <a:t>Run the serial monitor, making sure that it is set to 115200 baud</a:t>
+            </a:r>
+          </a:p>
+          <a:p>
+            <a:r>
+              <a:rPr lang="en-US" dirty="0" smtClean="0"/>
+              <a:t>You should see results like this:</a:t>
+            </a:r>
+            <a:endParaRPr lang="en-US" dirty="0" smtClean="0"/>
+          </a:p>
+          <a:p>
+            <a:endParaRPr lang="en-US" dirty="0"/>
+          </a:p>
+        </p:txBody>
+      </p:sp>
+      <p:pic>
+        <p:nvPicPr>
+          <p:cNvPr id="5" name="Picture 4"/>
+          <p:cNvPicPr>
+            <a:picLocks noChangeAspect="1"/>
+          </p:cNvPicPr>
+          <p:nvPr/>
+        </p:nvPicPr>
+        <p:blipFill>
+          <a:blip r:embed="rId2">
+            <a:extLst>
+              <a:ext uri="{28A0092B-C50C-407E-A947-70E740481C1C}">
+                <a14:useLocalDpi xmlns:a14="http://schemas.microsoft.com/office/drawing/2010/main" val="0"/>
+              </a:ext>
+            </a:extLst>
+          </a:blip>
+          <a:stretch>
+            <a:fillRect/>
+          </a:stretch>
+        </p:blipFill>
+        <p:spPr>
+          <a:xfrm>
+            <a:off x="1209963" y="4053609"/>
+            <a:ext cx="1917700" cy="2451100"/>
+          </a:xfrm>
+          <a:prstGeom prst="rect">
+            <a:avLst/>
+          </a:prstGeom>
+        </p:spPr>
+      </p:pic>
     </p:spTree>
     <p:extLst>
       <p:ext uri="{BB962C8B-B14F-4D97-AF65-F5344CB8AC3E}">
